--- a/Animal_Shelter.pptx
+++ b/Animal_Shelter.pptx
@@ -4015,13 +4015,19 @@
           <a:p>
             <a:r>
               <a:rPr lang="en-US" dirty="0"/>
-              <a:t>Older dogs tend to be euthanized more </a:t>
+              <a:t>7.89% of dogs are to be euthanized</a:t>
             </a:r>
           </a:p>
           <a:p>
             <a:r>
               <a:rPr lang="en-US" dirty="0"/>
-              <a:t> A lot of lost dogs are returned to owner </a:t>
+              <a:t> 20% of lost dogs are returned to owner </a:t>
+            </a:r>
+          </a:p>
+          <a:p>
+            <a:r>
+              <a:rPr lang="en-US" dirty="0"/>
+              <a:t>30% of dogs are transferred to another facility or partner shelters</a:t>
             </a:r>
           </a:p>
           <a:p>
